--- a/Forest Sound-Track.pptx
+++ b/Forest Sound-Track.pptx
@@ -294,6 +294,7 @@
           <a:p>
             <a:fld id="{737187F2-5CE6-4D01-B06A-2A33BFA76D99}" type="datetimeFigureOut">
               <a:rPr lang="en-US" smtClean="0"/>
+              <a:pPr/>
               <a:t>6/30/2018</a:t>
             </a:fld>
             <a:endParaRPr lang="en-US"/>
@@ -336,6 +337,7 @@
           <a:p>
             <a:fld id="{0498B719-8D70-4404-B440-CE293A00896F}" type="slidenum">
               <a:rPr lang="en-US" smtClean="0"/>
+              <a:pPr/>
               <a:t>‹#›</a:t>
             </a:fld>
             <a:endParaRPr lang="en-US"/>
@@ -459,6 +461,7 @@
           <a:p>
             <a:fld id="{737187F2-5CE6-4D01-B06A-2A33BFA76D99}" type="datetimeFigureOut">
               <a:rPr lang="en-US" smtClean="0"/>
+              <a:pPr/>
               <a:t>6/30/2018</a:t>
             </a:fld>
             <a:endParaRPr lang="en-US"/>
@@ -501,6 +504,7 @@
           <a:p>
             <a:fld id="{0498B719-8D70-4404-B440-CE293A00896F}" type="slidenum">
               <a:rPr lang="en-US" smtClean="0"/>
+              <a:pPr/>
               <a:t>‹#›</a:t>
             </a:fld>
             <a:endParaRPr lang="en-US"/>
@@ -634,6 +638,7 @@
           <a:p>
             <a:fld id="{737187F2-5CE6-4D01-B06A-2A33BFA76D99}" type="datetimeFigureOut">
               <a:rPr lang="en-US" smtClean="0"/>
+              <a:pPr/>
               <a:t>6/30/2018</a:t>
             </a:fld>
             <a:endParaRPr lang="en-US"/>
@@ -676,6 +681,7 @@
           <a:p>
             <a:fld id="{0498B719-8D70-4404-B440-CE293A00896F}" type="slidenum">
               <a:rPr lang="en-US" smtClean="0"/>
+              <a:pPr/>
               <a:t>‹#›</a:t>
             </a:fld>
             <a:endParaRPr lang="en-US"/>
@@ -799,6 +805,7 @@
           <a:p>
             <a:fld id="{737187F2-5CE6-4D01-B06A-2A33BFA76D99}" type="datetimeFigureOut">
               <a:rPr lang="en-US" smtClean="0"/>
+              <a:pPr/>
               <a:t>6/30/2018</a:t>
             </a:fld>
             <a:endParaRPr lang="en-US"/>
@@ -841,6 +848,7 @@
           <a:p>
             <a:fld id="{0498B719-8D70-4404-B440-CE293A00896F}" type="slidenum">
               <a:rPr lang="en-US" smtClean="0"/>
+              <a:pPr/>
               <a:t>‹#›</a:t>
             </a:fld>
             <a:endParaRPr lang="en-US"/>
@@ -1040,6 +1048,7 @@
           <a:p>
             <a:fld id="{737187F2-5CE6-4D01-B06A-2A33BFA76D99}" type="datetimeFigureOut">
               <a:rPr lang="en-US" smtClean="0"/>
+              <a:pPr/>
               <a:t>6/30/2018</a:t>
             </a:fld>
             <a:endParaRPr lang="en-US"/>
@@ -1082,6 +1091,7 @@
           <a:p>
             <a:fld id="{0498B719-8D70-4404-B440-CE293A00896F}" type="slidenum">
               <a:rPr lang="en-US" smtClean="0"/>
+              <a:pPr/>
               <a:t>‹#›</a:t>
             </a:fld>
             <a:endParaRPr lang="en-US"/>
@@ -1323,6 +1333,7 @@
           <a:p>
             <a:fld id="{737187F2-5CE6-4D01-B06A-2A33BFA76D99}" type="datetimeFigureOut">
               <a:rPr lang="en-US" smtClean="0"/>
+              <a:pPr/>
               <a:t>6/30/2018</a:t>
             </a:fld>
             <a:endParaRPr lang="en-US"/>
@@ -1365,6 +1376,7 @@
           <a:p>
             <a:fld id="{0498B719-8D70-4404-B440-CE293A00896F}" type="slidenum">
               <a:rPr lang="en-US" smtClean="0"/>
+              <a:pPr/>
               <a:t>‹#›</a:t>
             </a:fld>
             <a:endParaRPr lang="en-US"/>
@@ -1740,6 +1752,7 @@
           <a:p>
             <a:fld id="{737187F2-5CE6-4D01-B06A-2A33BFA76D99}" type="datetimeFigureOut">
               <a:rPr lang="en-US" smtClean="0"/>
+              <a:pPr/>
               <a:t>6/30/2018</a:t>
             </a:fld>
             <a:endParaRPr lang="en-US"/>
@@ -1782,6 +1795,7 @@
           <a:p>
             <a:fld id="{0498B719-8D70-4404-B440-CE293A00896F}" type="slidenum">
               <a:rPr lang="en-US" smtClean="0"/>
+              <a:pPr/>
               <a:t>‹#›</a:t>
             </a:fld>
             <a:endParaRPr lang="en-US"/>
@@ -1853,6 +1867,7 @@
           <a:p>
             <a:fld id="{737187F2-5CE6-4D01-B06A-2A33BFA76D99}" type="datetimeFigureOut">
               <a:rPr lang="en-US" smtClean="0"/>
+              <a:pPr/>
               <a:t>6/30/2018</a:t>
             </a:fld>
             <a:endParaRPr lang="en-US"/>
@@ -1895,6 +1910,7 @@
           <a:p>
             <a:fld id="{0498B719-8D70-4404-B440-CE293A00896F}" type="slidenum">
               <a:rPr lang="en-US" smtClean="0"/>
+              <a:pPr/>
               <a:t>‹#›</a:t>
             </a:fld>
             <a:endParaRPr lang="en-US"/>
@@ -1943,6 +1959,7 @@
           <a:p>
             <a:fld id="{737187F2-5CE6-4D01-B06A-2A33BFA76D99}" type="datetimeFigureOut">
               <a:rPr lang="en-US" smtClean="0"/>
+              <a:pPr/>
               <a:t>6/30/2018</a:t>
             </a:fld>
             <a:endParaRPr lang="en-US"/>
@@ -1985,6 +2002,7 @@
           <a:p>
             <a:fld id="{0498B719-8D70-4404-B440-CE293A00896F}" type="slidenum">
               <a:rPr lang="en-US" smtClean="0"/>
+              <a:pPr/>
               <a:t>‹#›</a:t>
             </a:fld>
             <a:endParaRPr lang="en-US"/>
@@ -2215,6 +2233,7 @@
           <a:p>
             <a:fld id="{737187F2-5CE6-4D01-B06A-2A33BFA76D99}" type="datetimeFigureOut">
               <a:rPr lang="en-US" smtClean="0"/>
+              <a:pPr/>
               <a:t>6/30/2018</a:t>
             </a:fld>
             <a:endParaRPr lang="en-US"/>
@@ -2257,6 +2276,7 @@
           <a:p>
             <a:fld id="{0498B719-8D70-4404-B440-CE293A00896F}" type="slidenum">
               <a:rPr lang="en-US" smtClean="0"/>
+              <a:pPr/>
               <a:t>‹#›</a:t>
             </a:fld>
             <a:endParaRPr lang="en-US"/>
@@ -2463,6 +2483,7 @@
           <a:p>
             <a:fld id="{737187F2-5CE6-4D01-B06A-2A33BFA76D99}" type="datetimeFigureOut">
               <a:rPr lang="en-US" smtClean="0"/>
+              <a:pPr/>
               <a:t>6/30/2018</a:t>
             </a:fld>
             <a:endParaRPr lang="en-US"/>
@@ -2505,6 +2526,7 @@
           <a:p>
             <a:fld id="{0498B719-8D70-4404-B440-CE293A00896F}" type="slidenum">
               <a:rPr lang="en-US" smtClean="0"/>
+              <a:pPr/>
               <a:t>‹#›</a:t>
             </a:fld>
             <a:endParaRPr lang="en-US"/>
@@ -2671,6 +2693,7 @@
           <a:p>
             <a:fld id="{737187F2-5CE6-4D01-B06A-2A33BFA76D99}" type="datetimeFigureOut">
               <a:rPr lang="en-US" smtClean="0"/>
+              <a:pPr/>
               <a:t>6/30/2018</a:t>
             </a:fld>
             <a:endParaRPr lang="en-US"/>
@@ -2749,6 +2772,7 @@
           <a:p>
             <a:fld id="{0498B719-8D70-4404-B440-CE293A00896F}" type="slidenum">
               <a:rPr lang="en-US" smtClean="0"/>
+              <a:pPr/>
               <a:t>‹#›</a:t>
             </a:fld>
             <a:endParaRPr lang="en-US"/>
@@ -3048,19 +3072,28 @@
             <a:spLocks noGrp="1"/>
           </p:cNvSpPr>
           <p:nvPr>
-            <p:ph type="ctrTitle"/>
-          </p:nvPr>
-        </p:nvSpPr>
-        <p:spPr/>
+            <p:ph type="title"/>
+          </p:nvPr>
+        </p:nvSpPr>
+        <p:spPr>
+          <a:xfrm>
+            <a:off x="457200" y="1186830"/>
+            <a:ext cx="3008313" cy="1162050"/>
+          </a:xfrm>
+        </p:spPr>
         <p:txBody>
           <a:bodyPr>
-            <a:normAutofit/>
+            <a:normAutofit fontScale="90000"/>
           </a:bodyPr>
           <a:lstStyle/>
           <a:p>
             <a:r>
               <a:rPr lang="en-US" sz="4800" b="1" dirty="0" smtClean="0"/>
-              <a:t>Forest Sound-Track</a:t>
+              <a:t>Forest </a:t>
+            </a:r>
+            <a:r>
+              <a:rPr lang="en-US" sz="4800" b="1" dirty="0" smtClean="0"/>
+              <a:t>Sound-Track</a:t>
             </a:r>
             <a:endParaRPr lang="en-US" sz="4800" dirty="0"/>
           </a:p>
@@ -3073,14 +3106,93 @@
             <a:spLocks noGrp="1"/>
           </p:cNvSpPr>
           <p:nvPr>
-            <p:ph type="subTitle" idx="1"/>
-          </p:nvPr>
-        </p:nvSpPr>
-        <p:spPr/>
-        <p:txBody>
-          <a:bodyPr/>
-          <a:lstStyle/>
-          <a:p>
+            <p:ph idx="1"/>
+          </p:nvPr>
+        </p:nvSpPr>
+        <p:spPr>
+          <a:xfrm>
+            <a:off x="2843808" y="273050"/>
+            <a:ext cx="5842992" cy="5853113"/>
+          </a:xfrm>
+        </p:spPr>
+        <p:txBody>
+          <a:bodyPr/>
+          <a:lstStyle/>
+          <a:p>
+            <a:pPr>
+              <a:buNone/>
+            </a:pPr>
+            <a:endParaRPr lang="en-US" b="1" dirty="0" smtClean="0">
+              <a:solidFill>
+                <a:schemeClr val="tx1"/>
+              </a:solidFill>
+            </a:endParaRPr>
+          </a:p>
+          <a:p>
+            <a:pPr>
+              <a:buNone/>
+            </a:pPr>
+            <a:endParaRPr lang="en-US" b="1" dirty="0" smtClean="0"/>
+          </a:p>
+          <a:p>
+            <a:pPr>
+              <a:buNone/>
+            </a:pPr>
+            <a:endParaRPr lang="en-US" b="1" dirty="0" smtClean="0">
+              <a:solidFill>
+                <a:schemeClr val="tx1"/>
+              </a:solidFill>
+            </a:endParaRPr>
+          </a:p>
+          <a:p>
+            <a:pPr>
+              <a:buNone/>
+            </a:pPr>
+            <a:endParaRPr lang="en-US" b="1" dirty="0" smtClean="0"/>
+          </a:p>
+          <a:p>
+            <a:pPr>
+              <a:buNone/>
+            </a:pPr>
+            <a:endParaRPr lang="en-US" b="1" dirty="0" smtClean="0">
+              <a:solidFill>
+                <a:schemeClr val="tx1"/>
+              </a:solidFill>
+            </a:endParaRPr>
+          </a:p>
+          <a:p>
+            <a:pPr>
+              <a:buNone/>
+            </a:pPr>
+            <a:r>
+              <a:rPr lang="en-US" b="1" dirty="0" smtClean="0">
+                <a:solidFill>
+                  <a:schemeClr val="tx1"/>
+                </a:solidFill>
+              </a:rPr>
+              <a:t>City </a:t>
+            </a:r>
+            <a:r>
+              <a:rPr lang="en-US" b="1" dirty="0" smtClean="0">
+                <a:solidFill>
+                  <a:schemeClr val="tx1"/>
+                </a:solidFill>
+              </a:rPr>
+              <a:t>Forest Visitors’ </a:t>
+            </a:r>
+            <a:r>
+              <a:rPr lang="en-US" b="1" dirty="0" smtClean="0">
+                <a:solidFill>
+                  <a:schemeClr val="tx1"/>
+                </a:solidFill>
+              </a:rPr>
+              <a:t>Challenge</a:t>
+            </a:r>
+          </a:p>
+          <a:p>
+            <a:pPr>
+              <a:buNone/>
+            </a:pPr>
             <a:r>
               <a:rPr lang="en-US" dirty="0" err="1" smtClean="0"/>
               <a:t>MakeZurich</a:t>
@@ -3090,14 +3202,80 @@
               <a:t> </a:t>
             </a:r>
             <a:r>
-              <a:rPr lang="en-US" dirty="0" err="1"/>
-              <a:t>V</a:t>
-            </a:r>
-            <a:r>
               <a:rPr lang="en-US" dirty="0" err="1" smtClean="0"/>
-              <a:t>ol.II</a:t>
-            </a:r>
+              <a:t>Vol.II</a:t>
+            </a:r>
+            <a:endParaRPr lang="en-US" dirty="0" smtClean="0"/>
+          </a:p>
+          <a:p>
+            <a:pPr>
+              <a:buNone/>
+            </a:pPr>
             <a:endParaRPr lang="en-US" dirty="0"/>
+          </a:p>
+        </p:txBody>
+      </p:sp>
+      <p:sp>
+        <p:nvSpPr>
+          <p:cNvPr id="4" name="Text Placeholder 3"/>
+          <p:cNvSpPr>
+            <a:spLocks noGrp="1"/>
+          </p:cNvSpPr>
+          <p:nvPr>
+            <p:ph type="body" sz="half" idx="2"/>
+          </p:nvPr>
+        </p:nvSpPr>
+        <p:spPr/>
+        <p:txBody>
+          <a:bodyPr/>
+          <a:lstStyle/>
+          <a:p>
+            <a:endParaRPr lang="en-US"/>
+          </a:p>
+        </p:txBody>
+      </p:sp>
+      <p:sp>
+        <p:nvSpPr>
+          <p:cNvPr id="5" name="TextBox 4"/>
+          <p:cNvSpPr txBox="1"/>
+          <p:nvPr/>
+        </p:nvSpPr>
+        <p:spPr>
+          <a:xfrm>
+            <a:off x="4355976" y="5589240"/>
+            <a:ext cx="4608512" cy="707886"/>
+          </a:xfrm>
+          <a:prstGeom prst="rect">
+            <a:avLst/>
+          </a:prstGeom>
+          <a:noFill/>
+        </p:spPr>
+        <p:txBody>
+          <a:bodyPr wrap="square" rtlCol="0">
+            <a:spAutoFit/>
+          </a:bodyPr>
+          <a:lstStyle/>
+          <a:p>
+            <a:r>
+              <a:rPr lang="en-US" sz="2000" dirty="0" smtClean="0"/>
+              <a:t>Oleg and </a:t>
+            </a:r>
+            <a:r>
+              <a:rPr lang="en-US" sz="2000" dirty="0" err="1" smtClean="0"/>
+              <a:t>Afsoon</a:t>
+            </a:r>
+            <a:endParaRPr lang="en-US" sz="2000" dirty="0" smtClean="0"/>
+          </a:p>
+          <a:p>
+            <a:r>
+              <a:rPr lang="en-US" sz="2000" dirty="0" smtClean="0"/>
+              <a:t>And thanks to Baxter and </a:t>
+            </a:r>
+            <a:r>
+              <a:rPr lang="en-US" sz="2000" dirty="0" err="1" smtClean="0"/>
+              <a:t>Tillo</a:t>
+            </a:r>
+            <a:endParaRPr lang="en-US" sz="2000" dirty="0"/>
           </a:p>
         </p:txBody>
       </p:sp>
@@ -3149,14 +3327,68 @@
         </p:blipFill>
         <p:spPr>
           <a:xfrm>
-            <a:off x="0" y="1044146"/>
-            <a:ext cx="9144000" cy="4769708"/>
+            <a:off x="0" y="116632"/>
+            <a:ext cx="9144000" cy="3960440"/>
           </a:xfrm>
           <a:prstGeom prst="rect">
             <a:avLst/>
           </a:prstGeom>
         </p:spPr>
       </p:pic>
+      <p:sp>
+        <p:nvSpPr>
+          <p:cNvPr id="4" name="TextBox 3"/>
+          <p:cNvSpPr txBox="1"/>
+          <p:nvPr/>
+        </p:nvSpPr>
+        <p:spPr>
+          <a:xfrm>
+            <a:off x="755576" y="4005064"/>
+            <a:ext cx="7272808" cy="2246769"/>
+          </a:xfrm>
+          <a:prstGeom prst="rect">
+            <a:avLst/>
+          </a:prstGeom>
+          <a:noFill/>
+        </p:spPr>
+        <p:txBody>
+          <a:bodyPr wrap="square" rtlCol="0">
+            <a:spAutoFit/>
+          </a:bodyPr>
+          <a:lstStyle/>
+          <a:p>
+            <a:r>
+              <a:rPr lang="en-US" sz="2800" dirty="0" smtClean="0"/>
+              <a:t>Approach:</a:t>
+            </a:r>
+          </a:p>
+          <a:p>
+            <a:pPr algn="ctr"/>
+            <a:r>
+              <a:rPr lang="en-US" sz="2800" dirty="0" smtClean="0"/>
+              <a:t>Sound Measurement &amp; Machine Learning</a:t>
+            </a:r>
+          </a:p>
+          <a:p>
+            <a:pPr algn="ctr"/>
+            <a:endParaRPr lang="en-US" sz="2800" dirty="0" smtClean="0"/>
+          </a:p>
+          <a:p>
+            <a:r>
+              <a:rPr lang="en-US" sz="2800" dirty="0" smtClean="0"/>
+              <a:t>Goal:</a:t>
+            </a:r>
+          </a:p>
+          <a:p>
+            <a:pPr algn="ctr"/>
+            <a:r>
+              <a:rPr lang="en-US" sz="2800" dirty="0" smtClean="0"/>
+              <a:t>Count/ Identify/ Classify/ Trace</a:t>
+            </a:r>
+            <a:endParaRPr lang="en-US" sz="2800" dirty="0"/>
+          </a:p>
+        </p:txBody>
+      </p:sp>
     </p:spTree>
   </p:cSld>
   <p:clrMapOvr>
@@ -3241,6 +3473,133 @@
           </a:prstGeom>
         </p:spPr>
       </p:pic>
+      <p:sp>
+        <p:nvSpPr>
+          <p:cNvPr id="6" name="TextBox 5"/>
+          <p:cNvSpPr txBox="1"/>
+          <p:nvPr/>
+        </p:nvSpPr>
+        <p:spPr>
+          <a:xfrm>
+            <a:off x="4788024" y="1543432"/>
+            <a:ext cx="4355976" cy="2677656"/>
+          </a:xfrm>
+          <a:prstGeom prst="rect">
+            <a:avLst/>
+          </a:prstGeom>
+          <a:noFill/>
+        </p:spPr>
+        <p:txBody>
+          <a:bodyPr wrap="square" rtlCol="0">
+            <a:spAutoFit/>
+          </a:bodyPr>
+          <a:lstStyle/>
+          <a:p>
+            <a:pPr>
+              <a:buFont typeface="Arial" pitchFamily="34" charset="0"/>
+              <a:buChar char="•"/>
+            </a:pPr>
+            <a:r>
+              <a:rPr lang="en-US" sz="2400" dirty="0" smtClean="0"/>
+              <a:t>Schools/Research</a:t>
+            </a:r>
+          </a:p>
+          <a:p>
+            <a:pPr>
+              <a:buFont typeface="Arial" pitchFamily="34" charset="0"/>
+              <a:buChar char="•"/>
+            </a:pPr>
+            <a:endParaRPr lang="en-US" sz="2400" dirty="0" smtClean="0"/>
+          </a:p>
+          <a:p>
+            <a:pPr>
+              <a:buFont typeface="Arial" pitchFamily="34" charset="0"/>
+              <a:buChar char="•"/>
+            </a:pPr>
+            <a:r>
+              <a:rPr lang="en-US" sz="2400" dirty="0" smtClean="0"/>
+              <a:t>Parks and </a:t>
+            </a:r>
+            <a:r>
+              <a:rPr lang="en-US" sz="2400" dirty="0" err="1" smtClean="0"/>
+              <a:t>Openspace</a:t>
+            </a:r>
+            <a:r>
+              <a:rPr lang="en-US" sz="2400" dirty="0" smtClean="0"/>
+              <a:t> planning</a:t>
+            </a:r>
+          </a:p>
+          <a:p>
+            <a:pPr>
+              <a:buFont typeface="Arial" pitchFamily="34" charset="0"/>
+              <a:buChar char="•"/>
+            </a:pPr>
+            <a:endParaRPr lang="en-US" sz="2400" dirty="0" smtClean="0"/>
+          </a:p>
+          <a:p>
+            <a:pPr>
+              <a:buFont typeface="Arial" pitchFamily="34" charset="0"/>
+              <a:buChar char="•"/>
+            </a:pPr>
+            <a:r>
+              <a:rPr lang="en-US" sz="2400" dirty="0" smtClean="0"/>
+              <a:t>Bird </a:t>
+            </a:r>
+            <a:r>
+              <a:rPr lang="en-US" sz="2400" dirty="0" smtClean="0"/>
+              <a:t>Watchers</a:t>
+            </a:r>
+          </a:p>
+          <a:p>
+            <a:pPr>
+              <a:buFont typeface="Arial" pitchFamily="34" charset="0"/>
+              <a:buChar char="•"/>
+            </a:pPr>
+            <a:endParaRPr lang="en-US" sz="2400" dirty="0" smtClean="0"/>
+          </a:p>
+          <a:p>
+            <a:pPr>
+              <a:buFont typeface="Arial" pitchFamily="34" charset="0"/>
+              <a:buChar char="•"/>
+            </a:pPr>
+            <a:r>
+              <a:rPr lang="en-US" sz="2400" dirty="0" smtClean="0"/>
+              <a:t>etc</a:t>
+            </a:r>
+            <a:endParaRPr lang="en-US" sz="2400" dirty="0"/>
+          </a:p>
+        </p:txBody>
+      </p:sp>
+      <p:sp>
+        <p:nvSpPr>
+          <p:cNvPr id="7" name="TextBox 6"/>
+          <p:cNvSpPr txBox="1"/>
+          <p:nvPr/>
+        </p:nvSpPr>
+        <p:spPr>
+          <a:xfrm>
+            <a:off x="4788024" y="692696"/>
+            <a:ext cx="3960440" cy="523220"/>
+          </a:xfrm>
+          <a:prstGeom prst="rect">
+            <a:avLst/>
+          </a:prstGeom>
+          <a:noFill/>
+        </p:spPr>
+        <p:txBody>
+          <a:bodyPr wrap="square" rtlCol="0">
+            <a:spAutoFit/>
+          </a:bodyPr>
+          <a:lstStyle/>
+          <a:p>
+            <a:r>
+              <a:rPr lang="en-US" sz="2800" b="1" dirty="0" smtClean="0"/>
+              <a:t>Use Cases:</a:t>
+            </a:r>
+            <a:endParaRPr lang="en-US" sz="2800" b="1" dirty="0"/>
+          </a:p>
+        </p:txBody>
+      </p:sp>
     </p:spTree>
   </p:cSld>
   <p:clrMapOvr>
@@ -3252,22 +3611,15 @@
         <p:cTn id="1" dur="indefinite" restart="never" nodeType="tmRoot">
           <p:childTnLst>
             <p:seq concurrent="1" nextAc="seek">
-              <p:cTn id="2" restart="whenNotActive" fill="hold" evtFilter="cancelBubble" nodeType="interactiveSeq">
-                <p:stCondLst>
-                  <p:cond evt="onClick" delay="0">
-                    <p:tgtEl>
-                      <p:spTgt spid="5"/>
-                    </p:tgtEl>
-                  </p:cond>
-                </p:stCondLst>
-                <p:endSync evt="end" delay="0">
-                  <p:rtn val="all"/>
-                </p:endSync>
+              <p:cTn id="2" dur="indefinite" nodeType="mainSeq">
                 <p:childTnLst>
                   <p:par>
                     <p:cTn id="3" fill="hold">
                       <p:stCondLst>
-                        <p:cond delay="0"/>
+                        <p:cond delay="indefinite"/>
+                        <p:cond evt="onBegin" delay="0">
+                          <p:tn val="2"/>
+                        </p:cond>
                       </p:stCondLst>
                       <p:childTnLst>
                         <p:par>
@@ -3277,7 +3629,7 @@
                             </p:stCondLst>
                             <p:childTnLst>
                               <p:par>
-                                <p:cTn id="5" presetID="1" presetClass="mediacall" presetSubtype="0" fill="hold" nodeType="clickEffect">
+                                <p:cTn id="5" presetID="1" presetClass="mediacall" presetSubtype="0" fill="hold" nodeType="afterEffect">
                                   <p:stCondLst>
                                     <p:cond delay="0"/>
                                   </p:stCondLst>
@@ -3301,16 +3653,23 @@
                   </p:par>
                 </p:childTnLst>
               </p:cTn>
+              <p:prevCondLst>
+                <p:cond evt="onPrev" delay="0">
+                  <p:tgtEl>
+                    <p:sldTgt/>
+                  </p:tgtEl>
+                </p:cond>
+              </p:prevCondLst>
               <p:nextCondLst>
-                <p:cond evt="onClick" delay="0">
+                <p:cond evt="onNext" delay="0">
                   <p:tgtEl>
-                    <p:spTgt spid="5"/>
+                    <p:sldTgt/>
                   </p:tgtEl>
                 </p:cond>
               </p:nextCondLst>
             </p:seq>
             <p:audio>
-              <p:cMediaNode vol="80000">
+              <p:cMediaNode>
                 <p:cTn id="7" fill="hold" display="0">
                   <p:stCondLst>
                     <p:cond delay="indefinite"/>
@@ -3389,14 +3748,14 @@
       </p:pic>
       <p:sp>
         <p:nvSpPr>
-          <p:cNvPr id="3" name="TextBox 2"/>
+          <p:cNvPr id="5" name="TextBox 4"/>
           <p:cNvSpPr txBox="1"/>
           <p:nvPr/>
         </p:nvSpPr>
         <p:spPr>
           <a:xfrm>
-            <a:off x="5292080" y="908720"/>
-            <a:ext cx="3456384" cy="1938992"/>
+            <a:off x="4788024" y="1543432"/>
+            <a:ext cx="4355976" cy="3046988"/>
           </a:xfrm>
           <a:prstGeom prst="rect">
             <a:avLst/>
@@ -3415,7 +3774,35 @@
             </a:pPr>
             <a:r>
               <a:rPr lang="en-US" sz="2400" dirty="0" smtClean="0"/>
-              <a:t>Schools/Research</a:t>
+              <a:t>Training Dataset: </a:t>
+            </a:r>
+          </a:p>
+          <a:p>
+            <a:pPr lvl="1">
+              <a:buFont typeface="Arial" pitchFamily="34" charset="0"/>
+              <a:buChar char="•"/>
+            </a:pPr>
+            <a:endParaRPr lang="en-US" sz="2400" dirty="0" smtClean="0"/>
+          </a:p>
+          <a:p>
+            <a:pPr lvl="1">
+              <a:buFont typeface="Arial" pitchFamily="34" charset="0"/>
+              <a:buChar char="•"/>
+            </a:pPr>
+            <a:r>
+              <a:rPr lang="en-US" sz="2400" dirty="0" smtClean="0"/>
+              <a:t>Crowd sourced Data : </a:t>
+            </a:r>
+          </a:p>
+          <a:p>
+            <a:pPr lvl="2"/>
+            <a:r>
+              <a:rPr lang="en-US" sz="2400" dirty="0" err="1" smtClean="0"/>
+              <a:t>Xeno</a:t>
+            </a:r>
+            <a:r>
+              <a:rPr lang="en-US" sz="2400" dirty="0" smtClean="0"/>
+              <a:t>-Canto</a:t>
             </a:r>
           </a:p>
           <a:p>
@@ -3423,10 +3810,7 @@
               <a:buFont typeface="Arial" pitchFamily="34" charset="0"/>
               <a:buChar char="•"/>
             </a:pPr>
-            <a:r>
-              <a:rPr lang="en-US" sz="2400" dirty="0" smtClean="0"/>
-              <a:t>Parks and Opening Space Planning </a:t>
-            </a:r>
+            <a:endParaRPr lang="en-US" sz="2400" dirty="0" smtClean="0"/>
           </a:p>
           <a:p>
             <a:pPr>
@@ -3434,8 +3818,12 @@
               <a:buChar char="•"/>
             </a:pPr>
             <a:r>
+              <a:rPr lang="en-US" sz="2400" dirty="0" err="1" smtClean="0"/>
+              <a:t>Feedforward</a:t>
+            </a:r>
+            <a:r>
               <a:rPr lang="en-US" sz="2400" dirty="0" smtClean="0"/>
-              <a:t>Bird Watchers</a:t>
+              <a:t> Neural Network</a:t>
             </a:r>
           </a:p>
           <a:p>
@@ -3443,14 +3831,41 @@
               <a:buFont typeface="Arial" pitchFamily="34" charset="0"/>
               <a:buChar char="•"/>
             </a:pPr>
-            <a:r>
-              <a:rPr lang="en-US" sz="2400" dirty="0" smtClean="0"/>
-              <a:t>etc</a:t>
-            </a:r>
-            <a:endParaRPr lang="en-US" sz="2400" dirty="0"/>
-          </a:p>
-        </p:txBody>
-      </p:sp>
+            <a:endParaRPr lang="en-US" sz="2400" dirty="0" smtClean="0"/>
+          </a:p>
+          <a:p>
+            <a:pPr>
+              <a:buFont typeface="Arial" pitchFamily="34" charset="0"/>
+              <a:buChar char="•"/>
+            </a:pPr>
+            <a:endParaRPr lang="en-US" sz="2400" dirty="0" smtClean="0"/>
+          </a:p>
+        </p:txBody>
+      </p:sp>
+      <p:pic>
+        <p:nvPicPr>
+          <p:cNvPr id="6" name="Picture 5" descr="flat,800x800,075,f.jpg"/>
+          <p:cNvPicPr>
+            <a:picLocks noChangeAspect="1"/>
+          </p:cNvPicPr>
+          <p:nvPr/>
+        </p:nvPicPr>
+        <p:blipFill>
+          <a:blip r:embed="rId3" cstate="print"/>
+          <a:stretch>
+            <a:fillRect/>
+          </a:stretch>
+        </p:blipFill>
+        <p:spPr>
+          <a:xfrm>
+            <a:off x="5076056" y="3933056"/>
+            <a:ext cx="3701988" cy="2467992"/>
+          </a:xfrm>
+          <a:prstGeom prst="rect">
+            <a:avLst/>
+          </a:prstGeom>
+        </p:spPr>
+      </p:pic>
     </p:spTree>
   </p:cSld>
   <p:clrMapOvr>
@@ -3501,30 +3916,6 @@
           <a:xfrm>
             <a:off x="-324544" y="3868579"/>
             <a:ext cx="2989421" cy="2989421"/>
-          </a:xfrm>
-          <a:prstGeom prst="rect">
-            <a:avLst/>
-          </a:prstGeom>
-        </p:spPr>
-      </p:pic>
-      <p:pic>
-        <p:nvPicPr>
-          <p:cNvPr id="3" name="Picture 2" descr="lorawan.png"/>
-          <p:cNvPicPr>
-            <a:picLocks noChangeAspect="1"/>
-          </p:cNvPicPr>
-          <p:nvPr/>
-        </p:nvPicPr>
-        <p:blipFill>
-          <a:blip r:embed="rId3" cstate="print"/>
-          <a:stretch>
-            <a:fillRect/>
-          </a:stretch>
-        </p:blipFill>
-        <p:spPr>
-          <a:xfrm>
-            <a:off x="1547664" y="1340768"/>
-            <a:ext cx="3976838" cy="1991601"/>
           </a:xfrm>
           <a:prstGeom prst="rect">
             <a:avLst/>
@@ -3651,11 +4042,42 @@
           </p:style>
         </p:cxnSp>
       </p:grpSp>
+      <p:pic>
+        <p:nvPicPr>
+          <p:cNvPr id="10" name="Picture 9" descr="RPi-Logo-Landscape-SCREEN.png"/>
+          <p:cNvPicPr>
+            <a:picLocks noChangeAspect="1"/>
+          </p:cNvPicPr>
+          <p:nvPr/>
+        </p:nvPicPr>
+        <p:blipFill>
+          <a:blip r:embed="rId3" cstate="print"/>
+          <a:stretch>
+            <a:fillRect/>
+          </a:stretch>
+        </p:blipFill>
+        <p:spPr>
+          <a:xfrm>
+            <a:off x="1619672" y="1772816"/>
+            <a:ext cx="5184615" cy="1450569"/>
+          </a:xfrm>
+          <a:prstGeom prst="rect">
+            <a:avLst/>
+          </a:prstGeom>
+        </p:spPr>
+      </p:pic>
     </p:spTree>
   </p:cSld>
   <p:clrMapOvr>
     <a:masterClrMapping/>
   </p:clrMapOvr>
+  <p:timing>
+    <p:tnLst>
+      <p:par>
+        <p:cTn id="1" dur="indefinite" restart="never" nodeType="tmRoot"/>
+      </p:par>
+    </p:tnLst>
+  </p:timing>
 </p:sld>
 </file>
 
@@ -3955,6 +4377,13 @@
   <p:clrMapOvr>
     <a:masterClrMapping/>
   </p:clrMapOvr>
+  <p:timing>
+    <p:tnLst>
+      <p:par>
+        <p:cTn id="1" dur="indefinite" restart="never" nodeType="tmRoot"/>
+      </p:par>
+    </p:tnLst>
+  </p:timing>
 </p:sld>
 </file>
 
@@ -3975,69 +4404,6 @@
           <a:chExt cx="0" cy="0"/>
         </a:xfrm>
       </p:grpSpPr>
-      <p:grpSp>
-        <p:nvGrpSpPr>
-          <p:cNvPr id="4" name="Group 3"/>
-          <p:cNvGrpSpPr/>
-          <p:nvPr/>
-        </p:nvGrpSpPr>
-        <p:grpSpPr>
-          <a:xfrm>
-            <a:off x="1259632" y="1268760"/>
-            <a:ext cx="6086475" cy="5256584"/>
-            <a:chOff x="3057525" y="1268760"/>
-            <a:chExt cx="6086475" cy="5256584"/>
-          </a:xfrm>
-        </p:grpSpPr>
-        <p:pic>
-          <p:nvPicPr>
-            <p:cNvPr id="2" name="Picture 1" descr="Capture.JPG"/>
-            <p:cNvPicPr>
-              <a:picLocks noChangeAspect="1"/>
-            </p:cNvPicPr>
-            <p:nvPr/>
-          </p:nvPicPr>
-          <p:blipFill>
-            <a:blip r:embed="rId2" cstate="print"/>
-            <a:stretch>
-              <a:fillRect/>
-            </a:stretch>
-          </p:blipFill>
-          <p:spPr>
-            <a:xfrm>
-              <a:off x="3057525" y="1268760"/>
-              <a:ext cx="6086475" cy="4210050"/>
-            </a:xfrm>
-            <a:prstGeom prst="rect">
-              <a:avLst/>
-            </a:prstGeom>
-          </p:spPr>
-        </p:pic>
-        <p:pic>
-          <p:nvPicPr>
-            <p:cNvPr id="3" name="Picture 2" descr="38.gif"/>
-            <p:cNvPicPr>
-              <a:picLocks noChangeAspect="1"/>
-            </p:cNvPicPr>
-            <p:nvPr/>
-          </p:nvPicPr>
-          <p:blipFill>
-            <a:blip r:embed="rId3" cstate="print"/>
-            <a:stretch>
-              <a:fillRect/>
-            </a:stretch>
-          </p:blipFill>
-          <p:spPr>
-            <a:xfrm>
-              <a:off x="3201541" y="4048844"/>
-              <a:ext cx="2476500" cy="2476500"/>
-            </a:xfrm>
-            <a:prstGeom prst="rect">
-              <a:avLst/>
-            </a:prstGeom>
-          </p:spPr>
-        </p:pic>
-      </p:grpSp>
       <p:sp>
         <p:nvSpPr>
           <p:cNvPr id="5" name="TextBox 4"/>
@@ -4119,6 +4485,30 @@
           </a:p>
         </p:txBody>
       </p:sp>
+      <p:pic>
+        <p:nvPicPr>
+          <p:cNvPr id="7" name="Picture 6" descr="diagram.png"/>
+          <p:cNvPicPr>
+            <a:picLocks noChangeAspect="1"/>
+          </p:cNvPicPr>
+          <p:nvPr/>
+        </p:nvPicPr>
+        <p:blipFill>
+          <a:blip r:embed="rId2" cstate="print"/>
+          <a:stretch>
+            <a:fillRect/>
+          </a:stretch>
+        </p:blipFill>
+        <p:spPr>
+          <a:xfrm>
+            <a:off x="152952" y="114714"/>
+            <a:ext cx="8838096" cy="6628572"/>
+          </a:xfrm>
+          <a:prstGeom prst="rect">
+            <a:avLst/>
+          </a:prstGeom>
+        </p:spPr>
+      </p:pic>
     </p:spTree>
   </p:cSld>
   <p:clrMapOvr>
